--- a/design/Presentación proyecto.pptx
+++ b/design/Presentación proyecto.pptx
@@ -7,14 +7,20 @@
     <p:sldMasterId id="2147483672" r:id="rId3"/>
   </p:sldMasterIdLst>
   <p:notesMasterIdLst>
-    <p:notesMasterId r:id="rId9"/>
+    <p:notesMasterId r:id="rId15"/>
   </p:notesMasterIdLst>
   <p:sldIdLst>
     <p:sldId id="256" r:id="rId4"/>
     <p:sldId id="257" r:id="rId5"/>
     <p:sldId id="259" r:id="rId6"/>
     <p:sldId id="260" r:id="rId7"/>
-    <p:sldId id="258" r:id="rId8"/>
+    <p:sldId id="261" r:id="rId8"/>
+    <p:sldId id="262" r:id="rId9"/>
+    <p:sldId id="264" r:id="rId10"/>
+    <p:sldId id="266" r:id="rId11"/>
+    <p:sldId id="268" r:id="rId12"/>
+    <p:sldId id="267" r:id="rId13"/>
+    <p:sldId id="258" r:id="rId14"/>
   </p:sldIdLst>
   <p:sldSz cx="10059988" cy="7773988"/>
   <p:notesSz cx="9144000" cy="6858000"/>
@@ -533,6 +539,12 @@
           <a:p>
             <a:r>
               <a:rPr lang="es-ES" dirty="0"/>
+              <a:t>Jorge</a:t>
+            </a:r>
+          </a:p>
+          <a:p>
+            <a:r>
+              <a:rPr lang="es-ES" dirty="0"/>
               <a:t>Presentación de integrantes y nombre aplicación</a:t>
             </a:r>
             <a:endParaRPr lang="es-CL" dirty="0"/>
@@ -566,6 +578,99 @@
     <p:extLst>
       <p:ext uri="{BB962C8B-B14F-4D97-AF65-F5344CB8AC3E}">
         <p14:creationId xmlns:p14="http://schemas.microsoft.com/office/powerpoint/2010/main" val="2479731121"/>
+      </p:ext>
+    </p:extLst>
+  </p:cSld>
+  <p:clrMapOvr>
+    <a:masterClrMapping/>
+  </p:clrMapOvr>
+</p:notes>
+</file>
+
+<file path=ppt/notesSlides/notesSlide10.xml><?xml version="1.0" encoding="utf-8"?>
+<p:notes xmlns:a="http://schemas.openxmlformats.org/drawingml/2006/main" xmlns:r="http://schemas.openxmlformats.org/officeDocument/2006/relationships" xmlns:p="http://schemas.openxmlformats.org/presentationml/2006/main">
+  <p:cSld>
+    <p:spTree>
+      <p:nvGrpSpPr>
+        <p:cNvPr id="1" name=""/>
+        <p:cNvGrpSpPr/>
+        <p:nvPr/>
+      </p:nvGrpSpPr>
+      <p:grpSpPr>
+        <a:xfrm>
+          <a:off x="0" y="0"/>
+          <a:ext cx="0" cy="0"/>
+          <a:chOff x="0" y="0"/>
+          <a:chExt cx="0" cy="0"/>
+        </a:xfrm>
+      </p:grpSpPr>
+      <p:sp>
+        <p:nvSpPr>
+          <p:cNvPr id="2" name="Marcador de imagen de diapositiva 1"/>
+          <p:cNvSpPr>
+            <a:spLocks noGrp="1" noRot="1" noChangeAspect="1"/>
+          </p:cNvSpPr>
+          <p:nvPr>
+            <p:ph type="sldImg"/>
+          </p:nvPr>
+        </p:nvSpPr>
+        <p:spPr/>
+      </p:sp>
+      <p:sp>
+        <p:nvSpPr>
+          <p:cNvPr id="3" name="Marcador de notas 2"/>
+          <p:cNvSpPr>
+            <a:spLocks noGrp="1"/>
+          </p:cNvSpPr>
+          <p:nvPr>
+            <p:ph type="body" idx="1"/>
+          </p:nvPr>
+        </p:nvSpPr>
+        <p:spPr/>
+        <p:txBody>
+          <a:bodyPr/>
+          <a:lstStyle/>
+          <a:p>
+            <a:r>
+              <a:rPr lang="es-CL" dirty="0"/>
+              <a:t>Jorge</a:t>
+            </a:r>
+          </a:p>
+          <a:p>
+            <a:r>
+              <a:rPr lang="es-CL" dirty="0"/>
+              <a:t>Detallar en cada punto</a:t>
+            </a:r>
+          </a:p>
+        </p:txBody>
+      </p:sp>
+      <p:sp>
+        <p:nvSpPr>
+          <p:cNvPr id="4" name="Marcador de número de diapositiva 3"/>
+          <p:cNvSpPr>
+            <a:spLocks noGrp="1"/>
+          </p:cNvSpPr>
+          <p:nvPr>
+            <p:ph type="sldNum" sz="quarter" idx="5"/>
+          </p:nvPr>
+        </p:nvSpPr>
+        <p:spPr/>
+        <p:txBody>
+          <a:bodyPr/>
+          <a:lstStyle/>
+          <a:p>
+            <a:fld id="{67BEBE97-6D3D-42CE-838B-C874A8B6550D}" type="slidenum">
+              <a:rPr lang="es-CL" smtClean="0"/>
+              <a:t>10</a:t>
+            </a:fld>
+            <a:endParaRPr lang="es-CL"/>
+          </a:p>
+        </p:txBody>
+      </p:sp>
+    </p:spTree>
+    <p:extLst>
+      <p:ext uri="{BB962C8B-B14F-4D97-AF65-F5344CB8AC3E}">
+        <p14:creationId xmlns:p14="http://schemas.microsoft.com/office/powerpoint/2010/main" val="355531112"/>
       </p:ext>
     </p:extLst>
   </p:cSld>
@@ -621,7 +726,19 @@
           <a:p>
             <a:r>
               <a:rPr lang="es-CL" dirty="0"/>
-              <a:t>Digitalización, registro (antes: cuadernos, libretas) boleta, inventario, contabilidad, clientes -&gt; digitalizar a programa </a:t>
+              <a:t>Esteban</a:t>
+            </a:r>
+          </a:p>
+          <a:p>
+            <a:r>
+              <a:rPr lang="es-CL" dirty="0"/>
+              <a:t>Digitalización, registro (antes: cuadernos, libretas) boleta, inventario, contabilidad, clientes -&gt; digitalizar a programa</a:t>
+            </a:r>
+          </a:p>
+          <a:p>
+            <a:r>
+              <a:rPr lang="es-CL" dirty="0"/>
+              <a:t> </a:t>
             </a:r>
           </a:p>
         </p:txBody>
@@ -708,6 +825,12 @@
           <a:p>
             <a:r>
               <a:rPr lang="es-CL" dirty="0"/>
+              <a:t>Maxi</a:t>
+            </a:r>
+          </a:p>
+          <a:p>
+            <a:r>
+              <a:rPr lang="es-CL" dirty="0"/>
               <a:t>Detallar en cada punto</a:t>
             </a:r>
           </a:p>
@@ -740,6 +863,610 @@
     <p:extLst>
       <p:ext uri="{BB962C8B-B14F-4D97-AF65-F5344CB8AC3E}">
         <p14:creationId xmlns:p14="http://schemas.microsoft.com/office/powerpoint/2010/main" val="2181901916"/>
+      </p:ext>
+    </p:extLst>
+  </p:cSld>
+  <p:clrMapOvr>
+    <a:masterClrMapping/>
+  </p:clrMapOvr>
+</p:notes>
+</file>
+
+<file path=ppt/notesSlides/notesSlide4.xml><?xml version="1.0" encoding="utf-8"?>
+<p:notes xmlns:a="http://schemas.openxmlformats.org/drawingml/2006/main" xmlns:r="http://schemas.openxmlformats.org/officeDocument/2006/relationships" xmlns:p="http://schemas.openxmlformats.org/presentationml/2006/main">
+  <p:cSld>
+    <p:spTree>
+      <p:nvGrpSpPr>
+        <p:cNvPr id="1" name=""/>
+        <p:cNvGrpSpPr/>
+        <p:nvPr/>
+      </p:nvGrpSpPr>
+      <p:grpSpPr>
+        <a:xfrm>
+          <a:off x="0" y="0"/>
+          <a:ext cx="0" cy="0"/>
+          <a:chOff x="0" y="0"/>
+          <a:chExt cx="0" cy="0"/>
+        </a:xfrm>
+      </p:grpSpPr>
+      <p:sp>
+        <p:nvSpPr>
+          <p:cNvPr id="2" name="Marcador de imagen de diapositiva 1"/>
+          <p:cNvSpPr>
+            <a:spLocks noGrp="1" noRot="1" noChangeAspect="1"/>
+          </p:cNvSpPr>
+          <p:nvPr>
+            <p:ph type="sldImg"/>
+          </p:nvPr>
+        </p:nvSpPr>
+        <p:spPr/>
+      </p:sp>
+      <p:sp>
+        <p:nvSpPr>
+          <p:cNvPr id="3" name="Marcador de notas 2"/>
+          <p:cNvSpPr>
+            <a:spLocks noGrp="1"/>
+          </p:cNvSpPr>
+          <p:nvPr>
+            <p:ph type="body" idx="1"/>
+          </p:nvPr>
+        </p:nvSpPr>
+        <p:spPr/>
+        <p:txBody>
+          <a:bodyPr/>
+          <a:lstStyle/>
+          <a:p>
+            <a:r>
+              <a:rPr lang="es-CL" dirty="0"/>
+              <a:t>Maxi</a:t>
+            </a:r>
+          </a:p>
+          <a:p>
+            <a:r>
+              <a:rPr lang="es-CL" dirty="0"/>
+              <a:t>UML V. Final, partir del centro</a:t>
+            </a:r>
+          </a:p>
+        </p:txBody>
+      </p:sp>
+      <p:sp>
+        <p:nvSpPr>
+          <p:cNvPr id="4" name="Marcador de número de diapositiva 3"/>
+          <p:cNvSpPr>
+            <a:spLocks noGrp="1"/>
+          </p:cNvSpPr>
+          <p:nvPr>
+            <p:ph type="sldNum" sz="quarter" idx="5"/>
+          </p:nvPr>
+        </p:nvSpPr>
+        <p:spPr/>
+        <p:txBody>
+          <a:bodyPr/>
+          <a:lstStyle/>
+          <a:p>
+            <a:fld id="{67BEBE97-6D3D-42CE-838B-C874A8B6550D}" type="slidenum">
+              <a:rPr lang="es-CL" smtClean="0"/>
+              <a:t>4</a:t>
+            </a:fld>
+            <a:endParaRPr lang="es-CL"/>
+          </a:p>
+        </p:txBody>
+      </p:sp>
+    </p:spTree>
+    <p:extLst>
+      <p:ext uri="{BB962C8B-B14F-4D97-AF65-F5344CB8AC3E}">
+        <p14:creationId xmlns:p14="http://schemas.microsoft.com/office/powerpoint/2010/main" val="1359305747"/>
+      </p:ext>
+    </p:extLst>
+  </p:cSld>
+  <p:clrMapOvr>
+    <a:masterClrMapping/>
+  </p:clrMapOvr>
+</p:notes>
+</file>
+
+<file path=ppt/notesSlides/notesSlide5.xml><?xml version="1.0" encoding="utf-8"?>
+<p:notes xmlns:a="http://schemas.openxmlformats.org/drawingml/2006/main" xmlns:r="http://schemas.openxmlformats.org/officeDocument/2006/relationships" xmlns:p="http://schemas.openxmlformats.org/presentationml/2006/main">
+  <p:cSld>
+    <p:spTree>
+      <p:nvGrpSpPr>
+        <p:cNvPr id="1" name=""/>
+        <p:cNvGrpSpPr/>
+        <p:nvPr/>
+      </p:nvGrpSpPr>
+      <p:grpSpPr>
+        <a:xfrm>
+          <a:off x="0" y="0"/>
+          <a:ext cx="0" cy="0"/>
+          <a:chOff x="0" y="0"/>
+          <a:chExt cx="0" cy="0"/>
+        </a:xfrm>
+      </p:grpSpPr>
+      <p:sp>
+        <p:nvSpPr>
+          <p:cNvPr id="2" name="Marcador de imagen de diapositiva 1"/>
+          <p:cNvSpPr>
+            <a:spLocks noGrp="1" noRot="1" noChangeAspect="1"/>
+          </p:cNvSpPr>
+          <p:nvPr>
+            <p:ph type="sldImg"/>
+          </p:nvPr>
+        </p:nvSpPr>
+        <p:spPr/>
+      </p:sp>
+      <p:sp>
+        <p:nvSpPr>
+          <p:cNvPr id="3" name="Marcador de notas 2"/>
+          <p:cNvSpPr>
+            <a:spLocks noGrp="1"/>
+          </p:cNvSpPr>
+          <p:nvPr>
+            <p:ph type="body" idx="1"/>
+          </p:nvPr>
+        </p:nvSpPr>
+        <p:spPr/>
+        <p:txBody>
+          <a:bodyPr/>
+          <a:lstStyle/>
+          <a:p>
+            <a:r>
+              <a:rPr lang="es-CL" dirty="0"/>
+              <a:t>Jorge</a:t>
+            </a:r>
+          </a:p>
+          <a:p>
+            <a:pPr marL="0" marR="0" lvl="0" indent="0" algn="l" defTabSz="914400" rtl="0" eaLnBrk="1" fontAlgn="auto" latinLnBrk="0" hangingPunct="1">
+              <a:lnSpc>
+                <a:spcPct val="100000"/>
+              </a:lnSpc>
+              <a:spcBef>
+                <a:spcPts val="0"/>
+              </a:spcBef>
+              <a:spcAft>
+                <a:spcPts val="0"/>
+              </a:spcAft>
+              <a:buClrTx/>
+              <a:buSzTx/>
+              <a:buFontTx/>
+              <a:buNone/>
+              <a:tabLst/>
+              <a:defRPr/>
+            </a:pPr>
+            <a:r>
+              <a:rPr lang="es-CL" dirty="0"/>
+              <a:t>(funcional)</a:t>
+            </a:r>
+          </a:p>
+          <a:p>
+            <a:r>
+              <a:rPr lang="es-CL" dirty="0"/>
+              <a:t>Actualiza total de un comprobante</a:t>
+            </a:r>
+          </a:p>
+        </p:txBody>
+      </p:sp>
+      <p:sp>
+        <p:nvSpPr>
+          <p:cNvPr id="4" name="Marcador de número de diapositiva 3"/>
+          <p:cNvSpPr>
+            <a:spLocks noGrp="1"/>
+          </p:cNvSpPr>
+          <p:nvPr>
+            <p:ph type="sldNum" sz="quarter" idx="5"/>
+          </p:nvPr>
+        </p:nvSpPr>
+        <p:spPr/>
+        <p:txBody>
+          <a:bodyPr/>
+          <a:lstStyle/>
+          <a:p>
+            <a:fld id="{67BEBE97-6D3D-42CE-838B-C874A8B6550D}" type="slidenum">
+              <a:rPr lang="es-CL" smtClean="0"/>
+              <a:t>5</a:t>
+            </a:fld>
+            <a:endParaRPr lang="es-CL"/>
+          </a:p>
+        </p:txBody>
+      </p:sp>
+    </p:spTree>
+    <p:extLst>
+      <p:ext uri="{BB962C8B-B14F-4D97-AF65-F5344CB8AC3E}">
+        <p14:creationId xmlns:p14="http://schemas.microsoft.com/office/powerpoint/2010/main" val="863628514"/>
+      </p:ext>
+    </p:extLst>
+  </p:cSld>
+  <p:clrMapOvr>
+    <a:masterClrMapping/>
+  </p:clrMapOvr>
+</p:notes>
+</file>
+
+<file path=ppt/notesSlides/notesSlide6.xml><?xml version="1.0" encoding="utf-8"?>
+<p:notes xmlns:a="http://schemas.openxmlformats.org/drawingml/2006/main" xmlns:r="http://schemas.openxmlformats.org/officeDocument/2006/relationships" xmlns:p="http://schemas.openxmlformats.org/presentationml/2006/main">
+  <p:cSld>
+    <p:spTree>
+      <p:nvGrpSpPr>
+        <p:cNvPr id="1" name=""/>
+        <p:cNvGrpSpPr/>
+        <p:nvPr/>
+      </p:nvGrpSpPr>
+      <p:grpSpPr>
+        <a:xfrm>
+          <a:off x="0" y="0"/>
+          <a:ext cx="0" cy="0"/>
+          <a:chOff x="0" y="0"/>
+          <a:chExt cx="0" cy="0"/>
+        </a:xfrm>
+      </p:grpSpPr>
+      <p:sp>
+        <p:nvSpPr>
+          <p:cNvPr id="2" name="Marcador de imagen de diapositiva 1"/>
+          <p:cNvSpPr>
+            <a:spLocks noGrp="1" noRot="1" noChangeAspect="1"/>
+          </p:cNvSpPr>
+          <p:nvPr>
+            <p:ph type="sldImg"/>
+          </p:nvPr>
+        </p:nvSpPr>
+        <p:spPr/>
+      </p:sp>
+      <p:sp>
+        <p:nvSpPr>
+          <p:cNvPr id="3" name="Marcador de notas 2"/>
+          <p:cNvSpPr>
+            <a:spLocks noGrp="1"/>
+          </p:cNvSpPr>
+          <p:nvPr>
+            <p:ph type="body" idx="1"/>
+          </p:nvPr>
+        </p:nvSpPr>
+        <p:spPr/>
+        <p:txBody>
+          <a:bodyPr/>
+          <a:lstStyle/>
+          <a:p>
+            <a:r>
+              <a:rPr lang="es-CL" dirty="0"/>
+              <a:t>Jorge</a:t>
+            </a:r>
+          </a:p>
+          <a:p>
+            <a:pPr marL="0" marR="0" lvl="0" indent="0" algn="l" defTabSz="914400" rtl="0" eaLnBrk="1" fontAlgn="auto" latinLnBrk="0" hangingPunct="1">
+              <a:lnSpc>
+                <a:spcPct val="100000"/>
+              </a:lnSpc>
+              <a:spcBef>
+                <a:spcPts val="0"/>
+              </a:spcBef>
+              <a:spcAft>
+                <a:spcPts val="0"/>
+              </a:spcAft>
+              <a:buClrTx/>
+              <a:buSzTx/>
+              <a:buFontTx/>
+              <a:buNone/>
+              <a:tabLst/>
+              <a:defRPr/>
+            </a:pPr>
+            <a:r>
+              <a:rPr lang="es-CL" dirty="0"/>
+              <a:t>(funcional)</a:t>
+            </a:r>
+          </a:p>
+          <a:p>
+            <a:r>
+              <a:rPr lang="es-CL" dirty="0"/>
+              <a:t>Ver productos en canasta</a:t>
+            </a:r>
+          </a:p>
+        </p:txBody>
+      </p:sp>
+      <p:sp>
+        <p:nvSpPr>
+          <p:cNvPr id="4" name="Marcador de número de diapositiva 3"/>
+          <p:cNvSpPr>
+            <a:spLocks noGrp="1"/>
+          </p:cNvSpPr>
+          <p:nvPr>
+            <p:ph type="sldNum" sz="quarter" idx="5"/>
+          </p:nvPr>
+        </p:nvSpPr>
+        <p:spPr/>
+        <p:txBody>
+          <a:bodyPr/>
+          <a:lstStyle/>
+          <a:p>
+            <a:fld id="{67BEBE97-6D3D-42CE-838B-C874A8B6550D}" type="slidenum">
+              <a:rPr lang="es-CL" smtClean="0"/>
+              <a:t>6</a:t>
+            </a:fld>
+            <a:endParaRPr lang="es-CL"/>
+          </a:p>
+        </p:txBody>
+      </p:sp>
+    </p:spTree>
+    <p:extLst>
+      <p:ext uri="{BB962C8B-B14F-4D97-AF65-F5344CB8AC3E}">
+        <p14:creationId xmlns:p14="http://schemas.microsoft.com/office/powerpoint/2010/main" val="3183498346"/>
+      </p:ext>
+    </p:extLst>
+  </p:cSld>
+  <p:clrMapOvr>
+    <a:masterClrMapping/>
+  </p:clrMapOvr>
+</p:notes>
+</file>
+
+<file path=ppt/notesSlides/notesSlide7.xml><?xml version="1.0" encoding="utf-8"?>
+<p:notes xmlns:a="http://schemas.openxmlformats.org/drawingml/2006/main" xmlns:r="http://schemas.openxmlformats.org/officeDocument/2006/relationships" xmlns:p="http://schemas.openxmlformats.org/presentationml/2006/main">
+  <p:cSld>
+    <p:spTree>
+      <p:nvGrpSpPr>
+        <p:cNvPr id="1" name=""/>
+        <p:cNvGrpSpPr/>
+        <p:nvPr/>
+      </p:nvGrpSpPr>
+      <p:grpSpPr>
+        <a:xfrm>
+          <a:off x="0" y="0"/>
+          <a:ext cx="0" cy="0"/>
+          <a:chOff x="0" y="0"/>
+          <a:chExt cx="0" cy="0"/>
+        </a:xfrm>
+      </p:grpSpPr>
+      <p:sp>
+        <p:nvSpPr>
+          <p:cNvPr id="2" name="Marcador de imagen de diapositiva 1"/>
+          <p:cNvSpPr>
+            <a:spLocks noGrp="1" noRot="1" noChangeAspect="1"/>
+          </p:cNvSpPr>
+          <p:nvPr>
+            <p:ph type="sldImg"/>
+          </p:nvPr>
+        </p:nvSpPr>
+        <p:spPr/>
+      </p:sp>
+      <p:sp>
+        <p:nvSpPr>
+          <p:cNvPr id="3" name="Marcador de notas 2"/>
+          <p:cNvSpPr>
+            <a:spLocks noGrp="1"/>
+          </p:cNvSpPr>
+          <p:nvPr>
+            <p:ph type="body" idx="1"/>
+          </p:nvPr>
+        </p:nvSpPr>
+        <p:spPr/>
+        <p:txBody>
+          <a:bodyPr/>
+          <a:lstStyle/>
+          <a:p>
+            <a:r>
+              <a:rPr lang="es-CL" dirty="0"/>
+              <a:t>Maxi</a:t>
+            </a:r>
+          </a:p>
+          <a:p>
+            <a:r>
+              <a:rPr lang="es-CL" dirty="0"/>
+              <a:t>Excepción usada al ver la canasta</a:t>
+            </a:r>
+          </a:p>
+        </p:txBody>
+      </p:sp>
+      <p:sp>
+        <p:nvSpPr>
+          <p:cNvPr id="4" name="Marcador de número de diapositiva 3"/>
+          <p:cNvSpPr>
+            <a:spLocks noGrp="1"/>
+          </p:cNvSpPr>
+          <p:nvPr>
+            <p:ph type="sldNum" sz="quarter" idx="5"/>
+          </p:nvPr>
+        </p:nvSpPr>
+        <p:spPr/>
+        <p:txBody>
+          <a:bodyPr/>
+          <a:lstStyle/>
+          <a:p>
+            <a:fld id="{67BEBE97-6D3D-42CE-838B-C874A8B6550D}" type="slidenum">
+              <a:rPr lang="es-CL" smtClean="0"/>
+              <a:t>7</a:t>
+            </a:fld>
+            <a:endParaRPr lang="es-CL"/>
+          </a:p>
+        </p:txBody>
+      </p:sp>
+    </p:spTree>
+    <p:extLst>
+      <p:ext uri="{BB962C8B-B14F-4D97-AF65-F5344CB8AC3E}">
+        <p14:creationId xmlns:p14="http://schemas.microsoft.com/office/powerpoint/2010/main" val="3807901169"/>
+      </p:ext>
+    </p:extLst>
+  </p:cSld>
+  <p:clrMapOvr>
+    <a:masterClrMapping/>
+  </p:clrMapOvr>
+</p:notes>
+</file>
+
+<file path=ppt/notesSlides/notesSlide8.xml><?xml version="1.0" encoding="utf-8"?>
+<p:notes xmlns:a="http://schemas.openxmlformats.org/drawingml/2006/main" xmlns:r="http://schemas.openxmlformats.org/officeDocument/2006/relationships" xmlns:p="http://schemas.openxmlformats.org/presentationml/2006/main">
+  <p:cSld>
+    <p:spTree>
+      <p:nvGrpSpPr>
+        <p:cNvPr id="1" name=""/>
+        <p:cNvGrpSpPr/>
+        <p:nvPr/>
+      </p:nvGrpSpPr>
+      <p:grpSpPr>
+        <a:xfrm>
+          <a:off x="0" y="0"/>
+          <a:ext cx="0" cy="0"/>
+          <a:chOff x="0" y="0"/>
+          <a:chExt cx="0" cy="0"/>
+        </a:xfrm>
+      </p:grpSpPr>
+      <p:sp>
+        <p:nvSpPr>
+          <p:cNvPr id="2" name="Marcador de imagen de diapositiva 1"/>
+          <p:cNvSpPr>
+            <a:spLocks noGrp="1" noRot="1" noChangeAspect="1"/>
+          </p:cNvSpPr>
+          <p:nvPr>
+            <p:ph type="sldImg"/>
+          </p:nvPr>
+        </p:nvSpPr>
+        <p:spPr/>
+      </p:sp>
+      <p:sp>
+        <p:nvSpPr>
+          <p:cNvPr id="3" name="Marcador de notas 2"/>
+          <p:cNvSpPr>
+            <a:spLocks noGrp="1"/>
+          </p:cNvSpPr>
+          <p:nvPr>
+            <p:ph type="body" idx="1"/>
+          </p:nvPr>
+        </p:nvSpPr>
+        <p:spPr/>
+        <p:txBody>
+          <a:bodyPr/>
+          <a:lstStyle/>
+          <a:p>
+            <a:r>
+              <a:rPr lang="es-CL" dirty="0"/>
+              <a:t>Maxi</a:t>
+            </a:r>
+          </a:p>
+          <a:p>
+            <a:r>
+              <a:rPr lang="es-CL" dirty="0"/>
+              <a:t>Al agregar productos a la canasta se usa este método</a:t>
+            </a:r>
+          </a:p>
+        </p:txBody>
+      </p:sp>
+      <p:sp>
+        <p:nvSpPr>
+          <p:cNvPr id="4" name="Marcador de número de diapositiva 3"/>
+          <p:cNvSpPr>
+            <a:spLocks noGrp="1"/>
+          </p:cNvSpPr>
+          <p:nvPr>
+            <p:ph type="sldNum" sz="quarter" idx="5"/>
+          </p:nvPr>
+        </p:nvSpPr>
+        <p:spPr/>
+        <p:txBody>
+          <a:bodyPr/>
+          <a:lstStyle/>
+          <a:p>
+            <a:fld id="{67BEBE97-6D3D-42CE-838B-C874A8B6550D}" type="slidenum">
+              <a:rPr lang="es-CL" smtClean="0"/>
+              <a:t>8</a:t>
+            </a:fld>
+            <a:endParaRPr lang="es-CL"/>
+          </a:p>
+        </p:txBody>
+      </p:sp>
+    </p:spTree>
+    <p:extLst>
+      <p:ext uri="{BB962C8B-B14F-4D97-AF65-F5344CB8AC3E}">
+        <p14:creationId xmlns:p14="http://schemas.microsoft.com/office/powerpoint/2010/main" val="498867325"/>
+      </p:ext>
+    </p:extLst>
+  </p:cSld>
+  <p:clrMapOvr>
+    <a:masterClrMapping/>
+  </p:clrMapOvr>
+</p:notes>
+</file>
+
+<file path=ppt/notesSlides/notesSlide9.xml><?xml version="1.0" encoding="utf-8"?>
+<p:notes xmlns:a="http://schemas.openxmlformats.org/drawingml/2006/main" xmlns:r="http://schemas.openxmlformats.org/officeDocument/2006/relationships" xmlns:p="http://schemas.openxmlformats.org/presentationml/2006/main">
+  <p:cSld>
+    <p:spTree>
+      <p:nvGrpSpPr>
+        <p:cNvPr id="1" name=""/>
+        <p:cNvGrpSpPr/>
+        <p:nvPr/>
+      </p:nvGrpSpPr>
+      <p:grpSpPr>
+        <a:xfrm>
+          <a:off x="0" y="0"/>
+          <a:ext cx="0" cy="0"/>
+          <a:chOff x="0" y="0"/>
+          <a:chExt cx="0" cy="0"/>
+        </a:xfrm>
+      </p:grpSpPr>
+      <p:sp>
+        <p:nvSpPr>
+          <p:cNvPr id="2" name="Marcador de imagen de diapositiva 1"/>
+          <p:cNvSpPr>
+            <a:spLocks noGrp="1" noRot="1" noChangeAspect="1"/>
+          </p:cNvSpPr>
+          <p:nvPr>
+            <p:ph type="sldImg"/>
+          </p:nvPr>
+        </p:nvSpPr>
+        <p:spPr/>
+      </p:sp>
+      <p:sp>
+        <p:nvSpPr>
+          <p:cNvPr id="3" name="Marcador de notas 2"/>
+          <p:cNvSpPr>
+            <a:spLocks noGrp="1"/>
+          </p:cNvSpPr>
+          <p:nvPr>
+            <p:ph type="body" idx="1"/>
+          </p:nvPr>
+        </p:nvSpPr>
+        <p:spPr/>
+        <p:txBody>
+          <a:bodyPr/>
+          <a:lstStyle/>
+          <a:p>
+            <a:r>
+              <a:rPr lang="es-CL" dirty="0"/>
+              <a:t>Esteban</a:t>
+            </a:r>
+          </a:p>
+          <a:p>
+            <a:r>
+              <a:rPr lang="es-CL" dirty="0"/>
+              <a:t>Vista del UML -&gt; Demostración en proyecto</a:t>
+            </a:r>
+          </a:p>
+        </p:txBody>
+      </p:sp>
+      <p:sp>
+        <p:nvSpPr>
+          <p:cNvPr id="4" name="Marcador de número de diapositiva 3"/>
+          <p:cNvSpPr>
+            <a:spLocks noGrp="1"/>
+          </p:cNvSpPr>
+          <p:nvPr>
+            <p:ph type="sldNum" sz="quarter" idx="5"/>
+          </p:nvPr>
+        </p:nvSpPr>
+        <p:spPr/>
+        <p:txBody>
+          <a:bodyPr/>
+          <a:lstStyle/>
+          <a:p>
+            <a:fld id="{67BEBE97-6D3D-42CE-838B-C874A8B6550D}" type="slidenum">
+              <a:rPr lang="es-CL" smtClean="0"/>
+              <a:t>9</a:t>
+            </a:fld>
+            <a:endParaRPr lang="es-CL"/>
+          </a:p>
+        </p:txBody>
+      </p:sp>
+    </p:spTree>
+    <p:extLst>
+      <p:ext uri="{BB962C8B-B14F-4D97-AF65-F5344CB8AC3E}">
+        <p14:creationId xmlns:p14="http://schemas.microsoft.com/office/powerpoint/2010/main" val="86322546"/>
       </p:ext>
     </p:extLst>
   </p:cSld>
@@ -10115,6 +10842,379 @@
 </p:sld>
 </file>
 
+<file path=ppt/slides/slide10.xml><?xml version="1.0" encoding="utf-8"?>
+<p:sld xmlns:a="http://schemas.openxmlformats.org/drawingml/2006/main" xmlns:r="http://schemas.openxmlformats.org/officeDocument/2006/relationships" xmlns:p="http://schemas.openxmlformats.org/presentationml/2006/main">
+  <p:cSld>
+    <p:spTree>
+      <p:nvGrpSpPr>
+        <p:cNvPr id="1" name=""/>
+        <p:cNvGrpSpPr/>
+        <p:nvPr/>
+      </p:nvGrpSpPr>
+      <p:grpSpPr>
+        <a:xfrm>
+          <a:off x="0" y="0"/>
+          <a:ext cx="0" cy="0"/>
+          <a:chOff x="0" y="0"/>
+          <a:chExt cx="0" cy="0"/>
+        </a:xfrm>
+      </p:grpSpPr>
+      <p:sp>
+        <p:nvSpPr>
+          <p:cNvPr id="4" name="4 CuadroTexto">
+            <a:extLst>
+              <a:ext uri="{FF2B5EF4-FFF2-40B4-BE49-F238E27FC236}">
+                <a16:creationId xmlns:a16="http://schemas.microsoft.com/office/drawing/2014/main" id="{433D29B9-2747-4A2C-B81A-E7361AC7DF71}"/>
+              </a:ext>
+            </a:extLst>
+          </p:cNvPr>
+          <p:cNvSpPr txBox="1"/>
+          <p:nvPr/>
+        </p:nvSpPr>
+        <p:spPr>
+          <a:xfrm>
+            <a:off x="6205646" y="862662"/>
+            <a:ext cx="2571768" cy="276999"/>
+          </a:xfrm>
+          <a:prstGeom prst="rect">
+            <a:avLst/>
+          </a:prstGeom>
+          <a:noFill/>
+        </p:spPr>
+        <p:txBody>
+          <a:bodyPr wrap="square" rtlCol="0">
+            <a:spAutoFit/>
+          </a:bodyPr>
+          <a:lstStyle/>
+          <a:p>
+            <a:pPr algn="ctr"/>
+            <a:r>
+              <a:rPr lang="es-CL" sz="1200" b="1" dirty="0">
+                <a:solidFill>
+                  <a:schemeClr val="tx1">
+                    <a:lumMod val="65000"/>
+                    <a:lumOff val="35000"/>
+                  </a:schemeClr>
+                </a:solidFill>
+              </a:rPr>
+              <a:t>Boletero de Ferretería</a:t>
+            </a:r>
+          </a:p>
+        </p:txBody>
+      </p:sp>
+      <p:sp>
+        <p:nvSpPr>
+          <p:cNvPr id="13" name="5 CuadroTexto">
+            <a:extLst>
+              <a:ext uri="{FF2B5EF4-FFF2-40B4-BE49-F238E27FC236}">
+                <a16:creationId xmlns:a16="http://schemas.microsoft.com/office/drawing/2014/main" id="{6BB0E5E0-57D0-46A9-AAE2-6F193E7A8290}"/>
+              </a:ext>
+            </a:extLst>
+          </p:cNvPr>
+          <p:cNvSpPr txBox="1"/>
+          <p:nvPr/>
+        </p:nvSpPr>
+        <p:spPr>
+          <a:xfrm>
+            <a:off x="279159" y="3625384"/>
+            <a:ext cx="9501670" cy="523220"/>
+          </a:xfrm>
+          <a:prstGeom prst="rect">
+            <a:avLst/>
+          </a:prstGeom>
+          <a:noFill/>
+        </p:spPr>
+        <p:txBody>
+          <a:bodyPr wrap="square" rtlCol="0">
+            <a:spAutoFit/>
+          </a:bodyPr>
+          <a:lstStyle/>
+          <a:p>
+            <a:pPr algn="ctr"/>
+            <a:r>
+              <a:rPr lang="es-CL" sz="2800" b="1" dirty="0">
+                <a:solidFill>
+                  <a:schemeClr val="tx1">
+                    <a:lumMod val="65000"/>
+                    <a:lumOff val="35000"/>
+                  </a:schemeClr>
+                </a:solidFill>
+              </a:rPr>
+              <a:t>Demostración del proyecto</a:t>
+            </a:r>
+          </a:p>
+        </p:txBody>
+      </p:sp>
+    </p:spTree>
+    <p:extLst>
+      <p:ext uri="{BB962C8B-B14F-4D97-AF65-F5344CB8AC3E}">
+        <p14:creationId xmlns:p14="http://schemas.microsoft.com/office/powerpoint/2010/main" val="2686865734"/>
+      </p:ext>
+    </p:extLst>
+  </p:cSld>
+  <p:clrMapOvr>
+    <a:masterClrMapping/>
+  </p:clrMapOvr>
+</p:sld>
+</file>
+
+<file path=ppt/slides/slide11.xml><?xml version="1.0" encoding="utf-8"?>
+<p:sld xmlns:a="http://schemas.openxmlformats.org/drawingml/2006/main" xmlns:r="http://schemas.openxmlformats.org/officeDocument/2006/relationships" xmlns:p="http://schemas.openxmlformats.org/presentationml/2006/main">
+  <p:cSld>
+    <p:spTree>
+      <p:nvGrpSpPr>
+        <p:cNvPr id="1" name=""/>
+        <p:cNvGrpSpPr/>
+        <p:nvPr/>
+      </p:nvGrpSpPr>
+      <p:grpSpPr>
+        <a:xfrm>
+          <a:off x="0" y="0"/>
+          <a:ext cx="0" cy="0"/>
+          <a:chOff x="0" y="0"/>
+          <a:chExt cx="0" cy="0"/>
+        </a:xfrm>
+      </p:grpSpPr>
+      <p:sp>
+        <p:nvSpPr>
+          <p:cNvPr id="3" name="Rectángulo 2">
+            <a:extLst>
+              <a:ext uri="{FF2B5EF4-FFF2-40B4-BE49-F238E27FC236}">
+                <a16:creationId xmlns:a16="http://schemas.microsoft.com/office/drawing/2014/main" id="{19A73117-1068-435D-84BC-E16035A38A13}"/>
+              </a:ext>
+            </a:extLst>
+          </p:cNvPr>
+          <p:cNvSpPr/>
+          <p:nvPr/>
+        </p:nvSpPr>
+        <p:spPr>
+          <a:xfrm>
+            <a:off x="4309914" y="4103018"/>
+            <a:ext cx="1440160" cy="288032"/>
+          </a:xfrm>
+          <a:prstGeom prst="rect">
+            <a:avLst/>
+          </a:prstGeom>
+          <a:solidFill>
+            <a:schemeClr val="bg1"/>
+          </a:solidFill>
+          <a:ln>
+            <a:solidFill>
+              <a:schemeClr val="bg1"/>
+            </a:solidFill>
+          </a:ln>
+        </p:spPr>
+        <p:style>
+          <a:lnRef idx="2">
+            <a:schemeClr val="accent1">
+              <a:shade val="50000"/>
+            </a:schemeClr>
+          </a:lnRef>
+          <a:fillRef idx="1">
+            <a:schemeClr val="accent1"/>
+          </a:fillRef>
+          <a:effectRef idx="0">
+            <a:schemeClr val="accent1"/>
+          </a:effectRef>
+          <a:fontRef idx="minor">
+            <a:schemeClr val="lt1"/>
+          </a:fontRef>
+        </p:style>
+        <p:txBody>
+          <a:bodyPr rtlCol="0" anchor="ctr"/>
+          <a:lstStyle/>
+          <a:p>
+            <a:pPr algn="ctr"/>
+            <a:endParaRPr lang="es-CL"/>
+          </a:p>
+        </p:txBody>
+      </p:sp>
+      <p:sp>
+        <p:nvSpPr>
+          <p:cNvPr id="5" name="2 CuadroTexto">
+            <a:extLst>
+              <a:ext uri="{FF2B5EF4-FFF2-40B4-BE49-F238E27FC236}">
+                <a16:creationId xmlns:a16="http://schemas.microsoft.com/office/drawing/2014/main" id="{39FBF5A9-F60D-403B-91F4-7C335558A224}"/>
+              </a:ext>
+            </a:extLst>
+          </p:cNvPr>
+          <p:cNvSpPr txBox="1"/>
+          <p:nvPr/>
+        </p:nvSpPr>
+        <p:spPr>
+          <a:xfrm>
+            <a:off x="3445824" y="5399167"/>
+            <a:ext cx="2883075" cy="1354217"/>
+          </a:xfrm>
+          <a:prstGeom prst="rect">
+            <a:avLst/>
+          </a:prstGeom>
+          <a:noFill/>
+        </p:spPr>
+        <p:txBody>
+          <a:bodyPr wrap="square" rtlCol="0">
+            <a:spAutoFit/>
+          </a:bodyPr>
+          <a:lstStyle/>
+          <a:p>
+            <a:pPr algn="ctr"/>
+            <a:r>
+              <a:rPr lang="es-ES" sz="1400" dirty="0">
+                <a:solidFill>
+                  <a:schemeClr val="bg1">
+                    <a:lumMod val="50000"/>
+                  </a:schemeClr>
+                </a:solidFill>
+              </a:rPr>
+              <a:t>|</a:t>
+            </a:r>
+            <a:r>
+              <a:rPr lang="es-ES" sz="1400" dirty="0">
+                <a:solidFill>
+                  <a:schemeClr val="tx2">
+                    <a:lumMod val="75000"/>
+                  </a:schemeClr>
+                </a:solidFill>
+              </a:rPr>
+              <a:t> Integrantes</a:t>
+            </a:r>
+            <a:r>
+              <a:rPr lang="es-ES" sz="1400" b="1" dirty="0">
+                <a:solidFill>
+                  <a:schemeClr val="tx2">
+                    <a:lumMod val="75000"/>
+                  </a:schemeClr>
+                </a:solidFill>
+              </a:rPr>
+              <a:t>: </a:t>
+            </a:r>
+            <a:r>
+              <a:rPr lang="es-ES" sz="1400" dirty="0">
+                <a:solidFill>
+                  <a:schemeClr val="tx2">
+                    <a:lumMod val="75000"/>
+                  </a:schemeClr>
+                </a:solidFill>
+              </a:rPr>
+              <a:t>Esteban Esparza</a:t>
+            </a:r>
+            <a:r>
+              <a:rPr lang="es-ES" sz="1400" dirty="0">
+                <a:solidFill>
+                  <a:schemeClr val="bg1">
+                    <a:lumMod val="50000"/>
+                  </a:schemeClr>
+                </a:solidFill>
+              </a:rPr>
+              <a:t>|</a:t>
+            </a:r>
+          </a:p>
+          <a:p>
+            <a:pPr algn="ctr"/>
+            <a:r>
+              <a:rPr lang="es-ES" sz="1400" dirty="0">
+                <a:solidFill>
+                  <a:schemeClr val="bg1">
+                    <a:lumMod val="50000"/>
+                  </a:schemeClr>
+                </a:solidFill>
+              </a:rPr>
+              <a:t>|</a:t>
+            </a:r>
+            <a:r>
+              <a:rPr lang="es-ES" sz="1400" dirty="0">
+                <a:solidFill>
+                  <a:schemeClr val="tx2">
+                    <a:lumMod val="75000"/>
+                  </a:schemeClr>
+                </a:solidFill>
+              </a:rPr>
+              <a:t> Maximiliano Campos</a:t>
+            </a:r>
+            <a:r>
+              <a:rPr lang="es-ES" sz="1400" dirty="0">
+                <a:solidFill>
+                  <a:schemeClr val="bg1">
+                    <a:lumMod val="50000"/>
+                  </a:schemeClr>
+                </a:solidFill>
+              </a:rPr>
+              <a:t>|</a:t>
+            </a:r>
+          </a:p>
+          <a:p>
+            <a:pPr algn="ctr"/>
+            <a:r>
+              <a:rPr lang="es-ES" sz="1400" dirty="0">
+                <a:solidFill>
+                  <a:schemeClr val="bg1">
+                    <a:lumMod val="50000"/>
+                  </a:schemeClr>
+                </a:solidFill>
+              </a:rPr>
+              <a:t>|</a:t>
+            </a:r>
+            <a:r>
+              <a:rPr lang="es-ES" sz="1400" dirty="0">
+                <a:solidFill>
+                  <a:schemeClr val="tx2">
+                    <a:lumMod val="75000"/>
+                  </a:schemeClr>
+                </a:solidFill>
+              </a:rPr>
+              <a:t> Jorge Mainhard</a:t>
+            </a:r>
+            <a:r>
+              <a:rPr lang="es-ES" sz="1400" dirty="0">
+                <a:solidFill>
+                  <a:schemeClr val="bg1">
+                    <a:lumMod val="50000"/>
+                  </a:schemeClr>
+                </a:solidFill>
+              </a:rPr>
+              <a:t>|</a:t>
+            </a:r>
+          </a:p>
+          <a:p>
+            <a:pPr algn="ctr"/>
+            <a:endParaRPr lang="es-ES" sz="1400" dirty="0">
+              <a:solidFill>
+                <a:schemeClr val="bg1">
+                  <a:lumMod val="50000"/>
+                </a:schemeClr>
+              </a:solidFill>
+            </a:endParaRPr>
+          </a:p>
+          <a:p>
+            <a:pPr algn="ctr"/>
+            <a:endParaRPr lang="es-ES" sz="1400" dirty="0">
+              <a:solidFill>
+                <a:schemeClr val="tx2">
+                  <a:lumMod val="75000"/>
+                </a:schemeClr>
+              </a:solidFill>
+            </a:endParaRPr>
+          </a:p>
+          <a:p>
+            <a:pPr algn="ctr"/>
+            <a:endParaRPr lang="es-CL" sz="1200" dirty="0">
+              <a:solidFill>
+                <a:schemeClr val="tx2">
+                  <a:lumMod val="75000"/>
+                </a:schemeClr>
+              </a:solidFill>
+            </a:endParaRPr>
+          </a:p>
+        </p:txBody>
+      </p:sp>
+    </p:spTree>
+  </p:cSld>
+  <p:clrMapOvr>
+    <a:masterClrMapping/>
+  </p:clrMapOvr>
+</p:sld>
+</file>
+
 <file path=ppt/slides/slide2.xml><?xml version="1.0" encoding="utf-8"?>
 <p:sld xmlns:a="http://schemas.openxmlformats.org/drawingml/2006/main" xmlns:r="http://schemas.openxmlformats.org/officeDocument/2006/relationships" xmlns:p="http://schemas.openxmlformats.org/presentationml/2006/main">
   <p:cSld>
@@ -10565,6 +11665,42 @@
           </a:p>
         </p:txBody>
       </p:sp>
+      <p:pic>
+        <p:nvPicPr>
+          <p:cNvPr id="3" name="Imagen 2">
+            <a:extLst>
+              <a:ext uri="{FF2B5EF4-FFF2-40B4-BE49-F238E27FC236}">
+                <a16:creationId xmlns:a16="http://schemas.microsoft.com/office/drawing/2014/main" id="{73C22BA9-C4C1-4344-B537-3F419CEE9735}"/>
+              </a:ext>
+            </a:extLst>
+          </p:cNvPr>
+          <p:cNvPicPr>
+            <a:picLocks noChangeAspect="1"/>
+          </p:cNvPicPr>
+          <p:nvPr/>
+        </p:nvPicPr>
+        <p:blipFill>
+          <a:blip r:embed="rId3" cstate="print">
+            <a:extLst>
+              <a:ext uri="{28A0092B-C50C-407E-A947-70E740481C1C}">
+                <a14:useLocalDpi xmlns:a14="http://schemas.microsoft.com/office/drawing/2010/main" val="0"/>
+              </a:ext>
+            </a:extLst>
+          </a:blip>
+          <a:stretch>
+            <a:fillRect/>
+          </a:stretch>
+        </p:blipFill>
+        <p:spPr>
+          <a:xfrm>
+            <a:off x="6205646" y="3886994"/>
+            <a:ext cx="3526954" cy="3526954"/>
+          </a:xfrm>
+          <a:prstGeom prst="rect">
+            <a:avLst/>
+          </a:prstGeom>
+        </p:spPr>
+      </p:pic>
     </p:spTree>
     <p:extLst>
       <p:ext uri="{BB962C8B-B14F-4D97-AF65-F5344CB8AC3E}">
@@ -10652,7 +11788,7 @@
         </p:nvSpPr>
         <p:spPr>
           <a:xfrm>
-            <a:off x="421482" y="1510730"/>
+            <a:off x="252229" y="3692231"/>
             <a:ext cx="9501670" cy="523220"/>
           </a:xfrm>
           <a:prstGeom prst="rect">
@@ -10676,7 +11812,7 @@
                   </a:schemeClr>
                 </a:solidFill>
               </a:rPr>
-              <a:t>Diagrama de Clases resultante (UML)</a:t>
+              <a:t>Diagrama de Clases resultante</a:t>
             </a:r>
           </a:p>
         </p:txBody>
@@ -10695,7 +11831,7 @@
         </p:nvSpPr>
         <p:spPr>
           <a:xfrm>
-            <a:off x="4418200" y="2392245"/>
+            <a:off x="4271084" y="4352037"/>
             <a:ext cx="1508233" cy="400110"/>
           </a:xfrm>
           <a:prstGeom prst="rect">
@@ -10711,7 +11847,7 @@
           <a:p>
             <a:r>
               <a:rPr lang="es-CL" dirty="0">
-                <a:hlinkClick r:id="rId2" action="ppaction://hlinkfile"/>
+                <a:hlinkClick r:id="rId3" action="ppaction://hlinkfile"/>
               </a:rPr>
               <a:t>Imagen UML</a:t>
             </a:r>
@@ -10734,7 +11870,7 @@
           <p:nvPr/>
         </p:nvPicPr>
         <p:blipFill>
-          <a:blip r:embed="rId3" cstate="print">
+          <a:blip r:embed="rId4" cstate="print">
             <a:extLst>
               <a:ext uri="{28A0092B-C50C-407E-A947-70E740481C1C}">
                 <a14:useLocalDpi xmlns:a14="http://schemas.microsoft.com/office/drawing/2010/main" val="0"/>
@@ -10747,8 +11883,8 @@
         </p:blipFill>
         <p:spPr>
           <a:xfrm>
-            <a:off x="5894090" y="4342427"/>
-            <a:ext cx="3842232" cy="2795224"/>
+            <a:off x="6950726" y="5111129"/>
+            <a:ext cx="2785596" cy="2026521"/>
           </a:xfrm>
           <a:prstGeom prst="rect">
             <a:avLst/>
@@ -10757,10 +11893,10 @@
       </p:pic>
       <p:sp>
         <p:nvSpPr>
-          <p:cNvPr id="10" name="5 CuadroTexto">
+          <p:cNvPr id="8" name="5 CuadroTexto">
             <a:extLst>
               <a:ext uri="{FF2B5EF4-FFF2-40B4-BE49-F238E27FC236}">
-                <a16:creationId xmlns:a16="http://schemas.microsoft.com/office/drawing/2014/main" id="{CE6B3F6C-84A3-4BB2-B017-BC5554302B29}"/>
+                <a16:creationId xmlns:a16="http://schemas.microsoft.com/office/drawing/2014/main" id="{0182E8B9-558F-492C-862B-D17C5C017D68}"/>
               </a:ext>
             </a:extLst>
           </p:cNvPr>
@@ -10769,7 +11905,7 @@
         </p:nvSpPr>
         <p:spPr>
           <a:xfrm>
-            <a:off x="421482" y="3128996"/>
+            <a:off x="279159" y="2139639"/>
             <a:ext cx="9501670" cy="523220"/>
           </a:xfrm>
           <a:prstGeom prst="rect">
@@ -10793,17 +11929,17 @@
                   </a:schemeClr>
                 </a:solidFill>
               </a:rPr>
-              <a:t>Diagrama de clases Test</a:t>
-            </a:r>
-          </a:p>
-        </p:txBody>
-      </p:sp>
-      <p:sp>
-        <p:nvSpPr>
-          <p:cNvPr id="11" name="CuadroTexto 10">
+              <a:t>Diagrama de clases primera versión (UML)</a:t>
+            </a:r>
+          </a:p>
+        </p:txBody>
+      </p:sp>
+      <p:sp>
+        <p:nvSpPr>
+          <p:cNvPr id="12" name="CuadroTexto 11">
             <a:extLst>
               <a:ext uri="{FF2B5EF4-FFF2-40B4-BE49-F238E27FC236}">
-                <a16:creationId xmlns:a16="http://schemas.microsoft.com/office/drawing/2014/main" id="{5F95E305-E296-4A73-9B1F-4C4E275BE63B}"/>
+                <a16:creationId xmlns:a16="http://schemas.microsoft.com/office/drawing/2014/main" id="{A3747712-44F2-4E74-BEB7-D3BF417E563E}"/>
               </a:ext>
             </a:extLst>
           </p:cNvPr>
@@ -10812,7 +11948,7 @@
         </p:nvSpPr>
         <p:spPr>
           <a:xfrm>
-            <a:off x="4418200" y="3788802"/>
+            <a:off x="4248947" y="2747222"/>
             <a:ext cx="1508233" cy="400110"/>
           </a:xfrm>
           <a:prstGeom prst="rect">
@@ -10828,7 +11964,7 @@
           <a:p>
             <a:r>
               <a:rPr lang="es-CL" dirty="0">
-                <a:hlinkClick r:id="rId4" action="ppaction://hlinkfile"/>
+                <a:hlinkClick r:id="rId5" action="ppaction://hlinkfile"/>
               </a:rPr>
               <a:t>Imagen UML</a:t>
             </a:r>
@@ -10868,64 +12004,10 @@
       </p:grpSpPr>
       <p:sp>
         <p:nvSpPr>
-          <p:cNvPr id="3" name="Rectángulo 2">
+          <p:cNvPr id="4" name="4 CuadroTexto">
             <a:extLst>
               <a:ext uri="{FF2B5EF4-FFF2-40B4-BE49-F238E27FC236}">
-                <a16:creationId xmlns:a16="http://schemas.microsoft.com/office/drawing/2014/main" id="{19A73117-1068-435D-84BC-E16035A38A13}"/>
-              </a:ext>
-            </a:extLst>
-          </p:cNvPr>
-          <p:cNvSpPr/>
-          <p:nvPr/>
-        </p:nvSpPr>
-        <p:spPr>
-          <a:xfrm>
-            <a:off x="4309914" y="4103018"/>
-            <a:ext cx="1440160" cy="288032"/>
-          </a:xfrm>
-          <a:prstGeom prst="rect">
-            <a:avLst/>
-          </a:prstGeom>
-          <a:solidFill>
-            <a:schemeClr val="bg1"/>
-          </a:solidFill>
-          <a:ln>
-            <a:solidFill>
-              <a:schemeClr val="bg1"/>
-            </a:solidFill>
-          </a:ln>
-        </p:spPr>
-        <p:style>
-          <a:lnRef idx="2">
-            <a:schemeClr val="accent1">
-              <a:shade val="50000"/>
-            </a:schemeClr>
-          </a:lnRef>
-          <a:fillRef idx="1">
-            <a:schemeClr val="accent1"/>
-          </a:fillRef>
-          <a:effectRef idx="0">
-            <a:schemeClr val="accent1"/>
-          </a:effectRef>
-          <a:fontRef idx="minor">
-            <a:schemeClr val="lt1"/>
-          </a:fontRef>
-        </p:style>
-        <p:txBody>
-          <a:bodyPr rtlCol="0" anchor="ctr"/>
-          <a:lstStyle/>
-          <a:p>
-            <a:pPr algn="ctr"/>
-            <a:endParaRPr lang="es-CL"/>
-          </a:p>
-        </p:txBody>
-      </p:sp>
-      <p:sp>
-        <p:nvSpPr>
-          <p:cNvPr id="5" name="2 CuadroTexto">
-            <a:extLst>
-              <a:ext uri="{FF2B5EF4-FFF2-40B4-BE49-F238E27FC236}">
-                <a16:creationId xmlns:a16="http://schemas.microsoft.com/office/drawing/2014/main" id="{39FBF5A9-F60D-403B-91F4-7C335558A224}"/>
+                <a16:creationId xmlns:a16="http://schemas.microsoft.com/office/drawing/2014/main" id="{433D29B9-2747-4A2C-B81A-E7361AC7DF71}"/>
               </a:ext>
             </a:extLst>
           </p:cNvPr>
@@ -10934,8 +12016,8 @@
         </p:nvSpPr>
         <p:spPr>
           <a:xfrm>
-            <a:off x="3445824" y="5399167"/>
-            <a:ext cx="2883075" cy="1354217"/>
+            <a:off x="6205646" y="862662"/>
+            <a:ext cx="2571768" cy="276999"/>
           </a:xfrm>
           <a:prstGeom prst="rect">
             <a:avLst/>
@@ -10950,155 +12032,962 @@
           <a:p>
             <a:pPr algn="ctr"/>
             <a:r>
-              <a:rPr lang="es-ES" sz="1400" dirty="0">
+              <a:rPr lang="es-CL" sz="1200" b="1" dirty="0">
                 <a:solidFill>
-                  <a:schemeClr val="bg1">
-                    <a:lumMod val="50000"/>
+                  <a:schemeClr val="tx1">
+                    <a:lumMod val="65000"/>
+                    <a:lumOff val="35000"/>
                   </a:schemeClr>
                 </a:solidFill>
               </a:rPr>
-              <a:t>|</a:t>
-            </a:r>
-            <a:r>
-              <a:rPr lang="es-ES" sz="1400" dirty="0">
+              <a:t>Boletero de Ferretería</a:t>
+            </a:r>
+          </a:p>
+        </p:txBody>
+      </p:sp>
+      <p:sp>
+        <p:nvSpPr>
+          <p:cNvPr id="13" name="5 CuadroTexto">
+            <a:extLst>
+              <a:ext uri="{FF2B5EF4-FFF2-40B4-BE49-F238E27FC236}">
+                <a16:creationId xmlns:a16="http://schemas.microsoft.com/office/drawing/2014/main" id="{6BB0E5E0-57D0-46A9-AAE2-6F193E7A8290}"/>
+              </a:ext>
+            </a:extLst>
+          </p:cNvPr>
+          <p:cNvSpPr txBox="1"/>
+          <p:nvPr/>
+        </p:nvSpPr>
+        <p:spPr>
+          <a:xfrm>
+            <a:off x="421482" y="1510730"/>
+            <a:ext cx="9501670" cy="523220"/>
+          </a:xfrm>
+          <a:prstGeom prst="rect">
+            <a:avLst/>
+          </a:prstGeom>
+          <a:noFill/>
+        </p:spPr>
+        <p:txBody>
+          <a:bodyPr wrap="square" rtlCol="0">
+            <a:spAutoFit/>
+          </a:bodyPr>
+          <a:lstStyle/>
+          <a:p>
+            <a:r>
+              <a:rPr lang="es-CL" sz="2800" b="1" dirty="0">
                 <a:solidFill>
-                  <a:schemeClr val="tx2">
-                    <a:lumMod val="75000"/>
+                  <a:schemeClr val="tx1">
+                    <a:lumMod val="65000"/>
+                    <a:lumOff val="35000"/>
                   </a:schemeClr>
                 </a:solidFill>
               </a:rPr>
-              <a:t> Integrantes</a:t>
-            </a:r>
-            <a:r>
-              <a:rPr lang="es-ES" sz="1400" b="1" dirty="0">
+              <a:t>Programación funcional</a:t>
+            </a:r>
+          </a:p>
+        </p:txBody>
+      </p:sp>
+      <p:pic>
+        <p:nvPicPr>
+          <p:cNvPr id="6" name="Imagen 5">
+            <a:extLst>
+              <a:ext uri="{FF2B5EF4-FFF2-40B4-BE49-F238E27FC236}">
+                <a16:creationId xmlns:a16="http://schemas.microsoft.com/office/drawing/2014/main" id="{079F6CFB-EBEF-4307-A6CA-C335074ABC1F}"/>
+              </a:ext>
+            </a:extLst>
+          </p:cNvPr>
+          <p:cNvPicPr>
+            <a:picLocks noChangeAspect="1"/>
+          </p:cNvPicPr>
+          <p:nvPr/>
+        </p:nvPicPr>
+        <p:blipFill>
+          <a:blip r:embed="rId3"/>
+          <a:stretch>
+            <a:fillRect/>
+          </a:stretch>
+        </p:blipFill>
+        <p:spPr>
+          <a:xfrm>
+            <a:off x="413148" y="2491279"/>
+            <a:ext cx="8810391" cy="2304256"/>
+          </a:xfrm>
+          <a:prstGeom prst="rect">
+            <a:avLst/>
+          </a:prstGeom>
+        </p:spPr>
+      </p:pic>
+      <p:sp>
+        <p:nvSpPr>
+          <p:cNvPr id="7" name="CuadroTexto 6">
+            <a:extLst>
+              <a:ext uri="{FF2B5EF4-FFF2-40B4-BE49-F238E27FC236}">
+                <a16:creationId xmlns:a16="http://schemas.microsoft.com/office/drawing/2014/main" id="{1008AA97-EC7C-4FA1-BF5A-19656EB47B26}"/>
+              </a:ext>
+            </a:extLst>
+          </p:cNvPr>
+          <p:cNvSpPr txBox="1"/>
+          <p:nvPr/>
+        </p:nvSpPr>
+        <p:spPr>
+          <a:xfrm>
+            <a:off x="385655" y="2059956"/>
+            <a:ext cx="4320480" cy="400110"/>
+          </a:xfrm>
+          <a:prstGeom prst="rect">
+            <a:avLst/>
+          </a:prstGeom>
+          <a:noFill/>
+        </p:spPr>
+        <p:txBody>
+          <a:bodyPr wrap="square" rtlCol="0">
+            <a:spAutoFit/>
+          </a:bodyPr>
+          <a:lstStyle/>
+          <a:p>
+            <a:r>
+              <a:rPr lang="es-CL" dirty="0"/>
+              <a:t>Comprobante.java</a:t>
+            </a:r>
+          </a:p>
+        </p:txBody>
+      </p:sp>
+      <p:pic>
+        <p:nvPicPr>
+          <p:cNvPr id="12" name="Imagen 11">
+            <a:extLst>
+              <a:ext uri="{FF2B5EF4-FFF2-40B4-BE49-F238E27FC236}">
+                <a16:creationId xmlns:a16="http://schemas.microsoft.com/office/drawing/2014/main" id="{282A56A3-A1AF-4C6C-8E3E-4DCC59EEBAF7}"/>
+              </a:ext>
+            </a:extLst>
+          </p:cNvPr>
+          <p:cNvPicPr>
+            <a:picLocks noChangeAspect="1"/>
+          </p:cNvPicPr>
+          <p:nvPr/>
+        </p:nvPicPr>
+        <p:blipFill>
+          <a:blip r:embed="rId4"/>
+          <a:stretch>
+            <a:fillRect/>
+          </a:stretch>
+        </p:blipFill>
+        <p:spPr>
+          <a:xfrm>
+            <a:off x="421482" y="5247658"/>
+            <a:ext cx="8993400" cy="2031199"/>
+          </a:xfrm>
+          <a:prstGeom prst="rect">
+            <a:avLst/>
+          </a:prstGeom>
+        </p:spPr>
+      </p:pic>
+      <p:sp>
+        <p:nvSpPr>
+          <p:cNvPr id="14" name="CuadroTexto 13">
+            <a:extLst>
+              <a:ext uri="{FF2B5EF4-FFF2-40B4-BE49-F238E27FC236}">
+                <a16:creationId xmlns:a16="http://schemas.microsoft.com/office/drawing/2014/main" id="{FAA6ABB0-67EA-4C9A-A7DF-1ECF17069780}"/>
+              </a:ext>
+            </a:extLst>
+          </p:cNvPr>
+          <p:cNvSpPr txBox="1"/>
+          <p:nvPr/>
+        </p:nvSpPr>
+        <p:spPr>
+          <a:xfrm>
+            <a:off x="385655" y="4847548"/>
+            <a:ext cx="4320480" cy="400110"/>
+          </a:xfrm>
+          <a:prstGeom prst="rect">
+            <a:avLst/>
+          </a:prstGeom>
+          <a:noFill/>
+        </p:spPr>
+        <p:txBody>
+          <a:bodyPr wrap="square" rtlCol="0">
+            <a:spAutoFit/>
+          </a:bodyPr>
+          <a:lstStyle/>
+          <a:p>
+            <a:r>
+              <a:rPr lang="es-CL" dirty="0"/>
+              <a:t>InventarioController.java</a:t>
+            </a:r>
+          </a:p>
+        </p:txBody>
+      </p:sp>
+    </p:spTree>
+    <p:extLst>
+      <p:ext uri="{BB962C8B-B14F-4D97-AF65-F5344CB8AC3E}">
+        <p14:creationId xmlns:p14="http://schemas.microsoft.com/office/powerpoint/2010/main" val="787877898"/>
+      </p:ext>
+    </p:extLst>
+  </p:cSld>
+  <p:clrMapOvr>
+    <a:masterClrMapping/>
+  </p:clrMapOvr>
+</p:sld>
+</file>
+
+<file path=ppt/slides/slide6.xml><?xml version="1.0" encoding="utf-8"?>
+<p:sld xmlns:a="http://schemas.openxmlformats.org/drawingml/2006/main" xmlns:r="http://schemas.openxmlformats.org/officeDocument/2006/relationships" xmlns:p="http://schemas.openxmlformats.org/presentationml/2006/main">
+  <p:cSld>
+    <p:spTree>
+      <p:nvGrpSpPr>
+        <p:cNvPr id="1" name=""/>
+        <p:cNvGrpSpPr/>
+        <p:nvPr/>
+      </p:nvGrpSpPr>
+      <p:grpSpPr>
+        <a:xfrm>
+          <a:off x="0" y="0"/>
+          <a:ext cx="0" cy="0"/>
+          <a:chOff x="0" y="0"/>
+          <a:chExt cx="0" cy="0"/>
+        </a:xfrm>
+      </p:grpSpPr>
+      <p:sp>
+        <p:nvSpPr>
+          <p:cNvPr id="4" name="4 CuadroTexto">
+            <a:extLst>
+              <a:ext uri="{FF2B5EF4-FFF2-40B4-BE49-F238E27FC236}">
+                <a16:creationId xmlns:a16="http://schemas.microsoft.com/office/drawing/2014/main" id="{433D29B9-2747-4A2C-B81A-E7361AC7DF71}"/>
+              </a:ext>
+            </a:extLst>
+          </p:cNvPr>
+          <p:cNvSpPr txBox="1"/>
+          <p:nvPr/>
+        </p:nvSpPr>
+        <p:spPr>
+          <a:xfrm>
+            <a:off x="6205646" y="862662"/>
+            <a:ext cx="2571768" cy="276999"/>
+          </a:xfrm>
+          <a:prstGeom prst="rect">
+            <a:avLst/>
+          </a:prstGeom>
+          <a:noFill/>
+        </p:spPr>
+        <p:txBody>
+          <a:bodyPr wrap="square" rtlCol="0">
+            <a:spAutoFit/>
+          </a:bodyPr>
+          <a:lstStyle/>
+          <a:p>
+            <a:pPr algn="ctr"/>
+            <a:r>
+              <a:rPr lang="es-CL" sz="1200" b="1" dirty="0">
                 <a:solidFill>
-                  <a:schemeClr val="tx2">
-                    <a:lumMod val="75000"/>
+                  <a:schemeClr val="tx1">
+                    <a:lumMod val="65000"/>
+                    <a:lumOff val="35000"/>
                   </a:schemeClr>
                 </a:solidFill>
               </a:rPr>
-              <a:t>: </a:t>
-            </a:r>
-            <a:r>
-              <a:rPr lang="es-ES" sz="1400" dirty="0">
+              <a:t>Boletero de Ferretería</a:t>
+            </a:r>
+          </a:p>
+        </p:txBody>
+      </p:sp>
+      <p:sp>
+        <p:nvSpPr>
+          <p:cNvPr id="13" name="5 CuadroTexto">
+            <a:extLst>
+              <a:ext uri="{FF2B5EF4-FFF2-40B4-BE49-F238E27FC236}">
+                <a16:creationId xmlns:a16="http://schemas.microsoft.com/office/drawing/2014/main" id="{6BB0E5E0-57D0-46A9-AAE2-6F193E7A8290}"/>
+              </a:ext>
+            </a:extLst>
+          </p:cNvPr>
+          <p:cNvSpPr txBox="1"/>
+          <p:nvPr/>
+        </p:nvSpPr>
+        <p:spPr>
+          <a:xfrm>
+            <a:off x="421482" y="1510730"/>
+            <a:ext cx="9501670" cy="523220"/>
+          </a:xfrm>
+          <a:prstGeom prst="rect">
+            <a:avLst/>
+          </a:prstGeom>
+          <a:noFill/>
+        </p:spPr>
+        <p:txBody>
+          <a:bodyPr wrap="square" rtlCol="0">
+            <a:spAutoFit/>
+          </a:bodyPr>
+          <a:lstStyle/>
+          <a:p>
+            <a:r>
+              <a:rPr lang="es-CL" sz="2800" b="1" dirty="0">
                 <a:solidFill>
-                  <a:schemeClr val="tx2">
-                    <a:lumMod val="75000"/>
+                  <a:schemeClr val="tx1">
+                    <a:lumMod val="65000"/>
+                    <a:lumOff val="35000"/>
                   </a:schemeClr>
                 </a:solidFill>
               </a:rPr>
-              <a:t>Esteban Esparza</a:t>
-            </a:r>
-            <a:r>
-              <a:rPr lang="es-ES" sz="1400" dirty="0">
+              <a:t>Programación funcional</a:t>
+            </a:r>
+          </a:p>
+        </p:txBody>
+      </p:sp>
+      <p:sp>
+        <p:nvSpPr>
+          <p:cNvPr id="7" name="CuadroTexto 6">
+            <a:extLst>
+              <a:ext uri="{FF2B5EF4-FFF2-40B4-BE49-F238E27FC236}">
+                <a16:creationId xmlns:a16="http://schemas.microsoft.com/office/drawing/2014/main" id="{1008AA97-EC7C-4FA1-BF5A-19656EB47B26}"/>
+              </a:ext>
+            </a:extLst>
+          </p:cNvPr>
+          <p:cNvSpPr txBox="1"/>
+          <p:nvPr/>
+        </p:nvSpPr>
+        <p:spPr>
+          <a:xfrm>
+            <a:off x="421482" y="2204964"/>
+            <a:ext cx="4320480" cy="400110"/>
+          </a:xfrm>
+          <a:prstGeom prst="rect">
+            <a:avLst/>
+          </a:prstGeom>
+          <a:noFill/>
+        </p:spPr>
+        <p:txBody>
+          <a:bodyPr wrap="square" rtlCol="0">
+            <a:spAutoFit/>
+          </a:bodyPr>
+          <a:lstStyle/>
+          <a:p>
+            <a:r>
+              <a:rPr lang="es-CL" dirty="0"/>
+              <a:t>Canasta.java</a:t>
+            </a:r>
+          </a:p>
+        </p:txBody>
+      </p:sp>
+      <p:pic>
+        <p:nvPicPr>
+          <p:cNvPr id="8" name="Imagen 7">
+            <a:extLst>
+              <a:ext uri="{FF2B5EF4-FFF2-40B4-BE49-F238E27FC236}">
+                <a16:creationId xmlns:a16="http://schemas.microsoft.com/office/drawing/2014/main" id="{8F89B22E-67A7-494D-B1FB-A3216FB114CE}"/>
+              </a:ext>
+            </a:extLst>
+          </p:cNvPr>
+          <p:cNvPicPr>
+            <a:picLocks noChangeAspect="1"/>
+          </p:cNvPicPr>
+          <p:nvPr/>
+        </p:nvPicPr>
+        <p:blipFill>
+          <a:blip r:embed="rId3"/>
+          <a:stretch>
+            <a:fillRect/>
+          </a:stretch>
+        </p:blipFill>
+        <p:spPr>
+          <a:xfrm>
+            <a:off x="421482" y="2605074"/>
+            <a:ext cx="9227069" cy="2839098"/>
+          </a:xfrm>
+          <a:prstGeom prst="rect">
+            <a:avLst/>
+          </a:prstGeom>
+        </p:spPr>
+      </p:pic>
+    </p:spTree>
+    <p:extLst>
+      <p:ext uri="{BB962C8B-B14F-4D97-AF65-F5344CB8AC3E}">
+        <p14:creationId xmlns:p14="http://schemas.microsoft.com/office/powerpoint/2010/main" val="1181530150"/>
+      </p:ext>
+    </p:extLst>
+  </p:cSld>
+  <p:clrMapOvr>
+    <a:masterClrMapping/>
+  </p:clrMapOvr>
+</p:sld>
+</file>
+
+<file path=ppt/slides/slide7.xml><?xml version="1.0" encoding="utf-8"?>
+<p:sld xmlns:a="http://schemas.openxmlformats.org/drawingml/2006/main" xmlns:r="http://schemas.openxmlformats.org/officeDocument/2006/relationships" xmlns:p="http://schemas.openxmlformats.org/presentationml/2006/main">
+  <p:cSld>
+    <p:spTree>
+      <p:nvGrpSpPr>
+        <p:cNvPr id="1" name=""/>
+        <p:cNvGrpSpPr/>
+        <p:nvPr/>
+      </p:nvGrpSpPr>
+      <p:grpSpPr>
+        <a:xfrm>
+          <a:off x="0" y="0"/>
+          <a:ext cx="0" cy="0"/>
+          <a:chOff x="0" y="0"/>
+          <a:chExt cx="0" cy="0"/>
+        </a:xfrm>
+      </p:grpSpPr>
+      <p:sp>
+        <p:nvSpPr>
+          <p:cNvPr id="4" name="4 CuadroTexto">
+            <a:extLst>
+              <a:ext uri="{FF2B5EF4-FFF2-40B4-BE49-F238E27FC236}">
+                <a16:creationId xmlns:a16="http://schemas.microsoft.com/office/drawing/2014/main" id="{433D29B9-2747-4A2C-B81A-E7361AC7DF71}"/>
+              </a:ext>
+            </a:extLst>
+          </p:cNvPr>
+          <p:cNvSpPr txBox="1"/>
+          <p:nvPr/>
+        </p:nvSpPr>
+        <p:spPr>
+          <a:xfrm>
+            <a:off x="6205646" y="862662"/>
+            <a:ext cx="2571768" cy="276999"/>
+          </a:xfrm>
+          <a:prstGeom prst="rect">
+            <a:avLst/>
+          </a:prstGeom>
+          <a:noFill/>
+        </p:spPr>
+        <p:txBody>
+          <a:bodyPr wrap="square" rtlCol="0">
+            <a:spAutoFit/>
+          </a:bodyPr>
+          <a:lstStyle/>
+          <a:p>
+            <a:pPr algn="ctr"/>
+            <a:r>
+              <a:rPr lang="es-CL" sz="1200" b="1" dirty="0">
                 <a:solidFill>
-                  <a:schemeClr val="bg1">
-                    <a:lumMod val="50000"/>
+                  <a:schemeClr val="tx1">
+                    <a:lumMod val="65000"/>
+                    <a:lumOff val="35000"/>
                   </a:schemeClr>
                 </a:solidFill>
               </a:rPr>
-              <a:t>|</a:t>
-            </a:r>
-          </a:p>
-          <a:p>
-            <a:pPr algn="ctr"/>
-            <a:r>
-              <a:rPr lang="es-ES" sz="1400" dirty="0">
+              <a:t>Boletero de Ferretería</a:t>
+            </a:r>
+          </a:p>
+        </p:txBody>
+      </p:sp>
+      <p:sp>
+        <p:nvSpPr>
+          <p:cNvPr id="13" name="5 CuadroTexto">
+            <a:extLst>
+              <a:ext uri="{FF2B5EF4-FFF2-40B4-BE49-F238E27FC236}">
+                <a16:creationId xmlns:a16="http://schemas.microsoft.com/office/drawing/2014/main" id="{6BB0E5E0-57D0-46A9-AAE2-6F193E7A8290}"/>
+              </a:ext>
+            </a:extLst>
+          </p:cNvPr>
+          <p:cNvSpPr txBox="1"/>
+          <p:nvPr/>
+        </p:nvSpPr>
+        <p:spPr>
+          <a:xfrm>
+            <a:off x="421482" y="1510730"/>
+            <a:ext cx="9501670" cy="523220"/>
+          </a:xfrm>
+          <a:prstGeom prst="rect">
+            <a:avLst/>
+          </a:prstGeom>
+          <a:noFill/>
+        </p:spPr>
+        <p:txBody>
+          <a:bodyPr wrap="square" rtlCol="0">
+            <a:spAutoFit/>
+          </a:bodyPr>
+          <a:lstStyle/>
+          <a:p>
+            <a:r>
+              <a:rPr lang="es-CL" sz="2800" b="1" dirty="0">
                 <a:solidFill>
-                  <a:schemeClr val="bg1">
-                    <a:lumMod val="50000"/>
+                  <a:schemeClr val="tx1">
+                    <a:lumMod val="65000"/>
+                    <a:lumOff val="35000"/>
                   </a:schemeClr>
                 </a:solidFill>
               </a:rPr>
-              <a:t>|</a:t>
-            </a:r>
-            <a:r>
-              <a:rPr lang="es-ES" sz="1400" dirty="0">
+              <a:t>Manejo de excepciones</a:t>
+            </a:r>
+          </a:p>
+        </p:txBody>
+      </p:sp>
+      <p:sp>
+        <p:nvSpPr>
+          <p:cNvPr id="7" name="CuadroTexto 6">
+            <a:extLst>
+              <a:ext uri="{FF2B5EF4-FFF2-40B4-BE49-F238E27FC236}">
+                <a16:creationId xmlns:a16="http://schemas.microsoft.com/office/drawing/2014/main" id="{1008AA97-EC7C-4FA1-BF5A-19656EB47B26}"/>
+              </a:ext>
+            </a:extLst>
+          </p:cNvPr>
+          <p:cNvSpPr txBox="1"/>
+          <p:nvPr/>
+        </p:nvSpPr>
+        <p:spPr>
+          <a:xfrm>
+            <a:off x="421482" y="2204964"/>
+            <a:ext cx="4320480" cy="400110"/>
+          </a:xfrm>
+          <a:prstGeom prst="rect">
+            <a:avLst/>
+          </a:prstGeom>
+          <a:noFill/>
+        </p:spPr>
+        <p:txBody>
+          <a:bodyPr wrap="square" rtlCol="0">
+            <a:spAutoFit/>
+          </a:bodyPr>
+          <a:lstStyle/>
+          <a:p>
+            <a:r>
+              <a:rPr lang="es-CL" dirty="0"/>
+              <a:t>Uso de </a:t>
+            </a:r>
+            <a:r>
+              <a:rPr lang="es-CL" dirty="0" err="1"/>
+              <a:t>Exception</a:t>
+            </a:r>
+            <a:r>
+              <a:rPr lang="es-CL" dirty="0"/>
+              <a:t> (Main.java)</a:t>
+            </a:r>
+          </a:p>
+        </p:txBody>
+      </p:sp>
+      <p:pic>
+        <p:nvPicPr>
+          <p:cNvPr id="3" name="Imagen 2">
+            <a:extLst>
+              <a:ext uri="{FF2B5EF4-FFF2-40B4-BE49-F238E27FC236}">
+                <a16:creationId xmlns:a16="http://schemas.microsoft.com/office/drawing/2014/main" id="{5ADBB73D-4F6F-4934-B283-390F40FFDFA1}"/>
+              </a:ext>
+            </a:extLst>
+          </p:cNvPr>
+          <p:cNvPicPr>
+            <a:picLocks noChangeAspect="1"/>
+          </p:cNvPicPr>
+          <p:nvPr/>
+        </p:nvPicPr>
+        <p:blipFill>
+          <a:blip r:embed="rId3">
+            <a:extLst>
+              <a:ext uri="{28A0092B-C50C-407E-A947-70E740481C1C}">
+                <a14:useLocalDpi xmlns:a14="http://schemas.microsoft.com/office/drawing/2010/main" val="0"/>
+              </a:ext>
+            </a:extLst>
+          </a:blip>
+          <a:stretch>
+            <a:fillRect/>
+          </a:stretch>
+        </p:blipFill>
+        <p:spPr>
+          <a:xfrm>
+            <a:off x="421482" y="2776088"/>
+            <a:ext cx="9455490" cy="3127130"/>
+          </a:xfrm>
+          <a:prstGeom prst="rect">
+            <a:avLst/>
+          </a:prstGeom>
+        </p:spPr>
+      </p:pic>
+    </p:spTree>
+    <p:extLst>
+      <p:ext uri="{BB962C8B-B14F-4D97-AF65-F5344CB8AC3E}">
+        <p14:creationId xmlns:p14="http://schemas.microsoft.com/office/powerpoint/2010/main" val="2004057643"/>
+      </p:ext>
+    </p:extLst>
+  </p:cSld>
+  <p:clrMapOvr>
+    <a:masterClrMapping/>
+  </p:clrMapOvr>
+</p:sld>
+</file>
+
+<file path=ppt/slides/slide8.xml><?xml version="1.0" encoding="utf-8"?>
+<p:sld xmlns:a="http://schemas.openxmlformats.org/drawingml/2006/main" xmlns:r="http://schemas.openxmlformats.org/officeDocument/2006/relationships" xmlns:p="http://schemas.openxmlformats.org/presentationml/2006/main">
+  <p:cSld>
+    <p:spTree>
+      <p:nvGrpSpPr>
+        <p:cNvPr id="1" name=""/>
+        <p:cNvGrpSpPr/>
+        <p:nvPr/>
+      </p:nvGrpSpPr>
+      <p:grpSpPr>
+        <a:xfrm>
+          <a:off x="0" y="0"/>
+          <a:ext cx="0" cy="0"/>
+          <a:chOff x="0" y="0"/>
+          <a:chExt cx="0" cy="0"/>
+        </a:xfrm>
+      </p:grpSpPr>
+      <p:sp>
+        <p:nvSpPr>
+          <p:cNvPr id="4" name="4 CuadroTexto">
+            <a:extLst>
+              <a:ext uri="{FF2B5EF4-FFF2-40B4-BE49-F238E27FC236}">
+                <a16:creationId xmlns:a16="http://schemas.microsoft.com/office/drawing/2014/main" id="{433D29B9-2747-4A2C-B81A-E7361AC7DF71}"/>
+              </a:ext>
+            </a:extLst>
+          </p:cNvPr>
+          <p:cNvSpPr txBox="1"/>
+          <p:nvPr/>
+        </p:nvSpPr>
+        <p:spPr>
+          <a:xfrm>
+            <a:off x="6205646" y="862662"/>
+            <a:ext cx="2571768" cy="276999"/>
+          </a:xfrm>
+          <a:prstGeom prst="rect">
+            <a:avLst/>
+          </a:prstGeom>
+          <a:noFill/>
+        </p:spPr>
+        <p:txBody>
+          <a:bodyPr wrap="square" rtlCol="0">
+            <a:spAutoFit/>
+          </a:bodyPr>
+          <a:lstStyle/>
+          <a:p>
+            <a:pPr algn="ctr"/>
+            <a:r>
+              <a:rPr lang="es-CL" sz="1200" b="1" dirty="0">
                 <a:solidFill>
-                  <a:schemeClr val="tx2">
-                    <a:lumMod val="75000"/>
+                  <a:schemeClr val="tx1">
+                    <a:lumMod val="65000"/>
+                    <a:lumOff val="35000"/>
                   </a:schemeClr>
                 </a:solidFill>
               </a:rPr>
-              <a:t> Maximiliano Campos</a:t>
-            </a:r>
-            <a:r>
-              <a:rPr lang="es-ES" sz="1400" dirty="0">
+              <a:t>Boletero de Ferretería</a:t>
+            </a:r>
+          </a:p>
+        </p:txBody>
+      </p:sp>
+      <p:sp>
+        <p:nvSpPr>
+          <p:cNvPr id="13" name="5 CuadroTexto">
+            <a:extLst>
+              <a:ext uri="{FF2B5EF4-FFF2-40B4-BE49-F238E27FC236}">
+                <a16:creationId xmlns:a16="http://schemas.microsoft.com/office/drawing/2014/main" id="{6BB0E5E0-57D0-46A9-AAE2-6F193E7A8290}"/>
+              </a:ext>
+            </a:extLst>
+          </p:cNvPr>
+          <p:cNvSpPr txBox="1"/>
+          <p:nvPr/>
+        </p:nvSpPr>
+        <p:spPr>
+          <a:xfrm>
+            <a:off x="421482" y="1510730"/>
+            <a:ext cx="9501670" cy="523220"/>
+          </a:xfrm>
+          <a:prstGeom prst="rect">
+            <a:avLst/>
+          </a:prstGeom>
+          <a:noFill/>
+        </p:spPr>
+        <p:txBody>
+          <a:bodyPr wrap="square" rtlCol="0">
+            <a:spAutoFit/>
+          </a:bodyPr>
+          <a:lstStyle/>
+          <a:p>
+            <a:r>
+              <a:rPr lang="es-CL" sz="2800" b="1" dirty="0">
                 <a:solidFill>
-                  <a:schemeClr val="bg1">
-                    <a:lumMod val="50000"/>
+                  <a:schemeClr val="tx1">
+                    <a:lumMod val="65000"/>
+                    <a:lumOff val="35000"/>
                   </a:schemeClr>
                 </a:solidFill>
               </a:rPr>
-              <a:t>|</a:t>
-            </a:r>
-          </a:p>
+              <a:t>Manejo de excepciones</a:t>
+            </a:r>
+          </a:p>
+        </p:txBody>
+      </p:sp>
+      <p:sp>
+        <p:nvSpPr>
+          <p:cNvPr id="7" name="CuadroTexto 6">
+            <a:extLst>
+              <a:ext uri="{FF2B5EF4-FFF2-40B4-BE49-F238E27FC236}">
+                <a16:creationId xmlns:a16="http://schemas.microsoft.com/office/drawing/2014/main" id="{1008AA97-EC7C-4FA1-BF5A-19656EB47B26}"/>
+              </a:ext>
+            </a:extLst>
+          </p:cNvPr>
+          <p:cNvSpPr txBox="1"/>
+          <p:nvPr/>
+        </p:nvSpPr>
+        <p:spPr>
+          <a:xfrm>
+            <a:off x="421482" y="2204964"/>
+            <a:ext cx="4896544" cy="400110"/>
+          </a:xfrm>
+          <a:prstGeom prst="rect">
+            <a:avLst/>
+          </a:prstGeom>
+          <a:noFill/>
+        </p:spPr>
+        <p:txBody>
+          <a:bodyPr wrap="square" rtlCol="0">
+            <a:spAutoFit/>
+          </a:bodyPr>
+          <a:lstStyle/>
+          <a:p>
+            <a:r>
+              <a:rPr lang="es-CL" dirty="0"/>
+              <a:t>Uso de </a:t>
+            </a:r>
+            <a:r>
+              <a:rPr lang="es-CL" dirty="0" err="1"/>
+              <a:t>Exception</a:t>
+            </a:r>
+            <a:r>
+              <a:rPr lang="es-CL" dirty="0"/>
+              <a:t> (InventarioController.java)</a:t>
+            </a:r>
+          </a:p>
+        </p:txBody>
+      </p:sp>
+      <p:pic>
+        <p:nvPicPr>
+          <p:cNvPr id="5" name="Imagen 4">
+            <a:extLst>
+              <a:ext uri="{FF2B5EF4-FFF2-40B4-BE49-F238E27FC236}">
+                <a16:creationId xmlns:a16="http://schemas.microsoft.com/office/drawing/2014/main" id="{1FED1261-3D8E-4ED1-9106-A7EF511B3117}"/>
+              </a:ext>
+            </a:extLst>
+          </p:cNvPr>
+          <p:cNvPicPr>
+            <a:picLocks noChangeAspect="1"/>
+          </p:cNvPicPr>
+          <p:nvPr/>
+        </p:nvPicPr>
+        <p:blipFill>
+          <a:blip r:embed="rId3">
+            <a:extLst>
+              <a:ext uri="{28A0092B-C50C-407E-A947-70E740481C1C}">
+                <a14:useLocalDpi xmlns:a14="http://schemas.microsoft.com/office/drawing/2010/main" val="0"/>
+              </a:ext>
+            </a:extLst>
+          </a:blip>
+          <a:stretch>
+            <a:fillRect/>
+          </a:stretch>
+        </p:blipFill>
+        <p:spPr>
+          <a:xfrm>
+            <a:off x="565498" y="2661940"/>
+            <a:ext cx="9139131" cy="4226276"/>
+          </a:xfrm>
+          <a:prstGeom prst="rect">
+            <a:avLst/>
+          </a:prstGeom>
+        </p:spPr>
+      </p:pic>
+    </p:spTree>
+    <p:extLst>
+      <p:ext uri="{BB962C8B-B14F-4D97-AF65-F5344CB8AC3E}">
+        <p14:creationId xmlns:p14="http://schemas.microsoft.com/office/powerpoint/2010/main" val="4201196568"/>
+      </p:ext>
+    </p:extLst>
+  </p:cSld>
+  <p:clrMapOvr>
+    <a:masterClrMapping/>
+  </p:clrMapOvr>
+</p:sld>
+</file>
+
+<file path=ppt/slides/slide9.xml><?xml version="1.0" encoding="utf-8"?>
+<p:sld xmlns:a="http://schemas.openxmlformats.org/drawingml/2006/main" xmlns:r="http://schemas.openxmlformats.org/officeDocument/2006/relationships" xmlns:p="http://schemas.openxmlformats.org/presentationml/2006/main">
+  <p:cSld>
+    <p:spTree>
+      <p:nvGrpSpPr>
+        <p:cNvPr id="1" name=""/>
+        <p:cNvGrpSpPr/>
+        <p:nvPr/>
+      </p:nvGrpSpPr>
+      <p:grpSpPr>
+        <a:xfrm>
+          <a:off x="0" y="0"/>
+          <a:ext cx="0" cy="0"/>
+          <a:chOff x="0" y="0"/>
+          <a:chExt cx="0" cy="0"/>
+        </a:xfrm>
+      </p:grpSpPr>
+      <p:sp>
+        <p:nvSpPr>
+          <p:cNvPr id="4" name="4 CuadroTexto">
+            <a:extLst>
+              <a:ext uri="{FF2B5EF4-FFF2-40B4-BE49-F238E27FC236}">
+                <a16:creationId xmlns:a16="http://schemas.microsoft.com/office/drawing/2014/main" id="{433D29B9-2747-4A2C-B81A-E7361AC7DF71}"/>
+              </a:ext>
+            </a:extLst>
+          </p:cNvPr>
+          <p:cNvSpPr txBox="1"/>
+          <p:nvPr/>
+        </p:nvSpPr>
+        <p:spPr>
+          <a:xfrm>
+            <a:off x="6205646" y="862662"/>
+            <a:ext cx="2571768" cy="276999"/>
+          </a:xfrm>
+          <a:prstGeom prst="rect">
+            <a:avLst/>
+          </a:prstGeom>
+          <a:noFill/>
+        </p:spPr>
+        <p:txBody>
+          <a:bodyPr wrap="square" rtlCol="0">
+            <a:spAutoFit/>
+          </a:bodyPr>
+          <a:lstStyle/>
           <a:p>
             <a:pPr algn="ctr"/>
             <a:r>
-              <a:rPr lang="es-ES" sz="1400" dirty="0">
+              <a:rPr lang="es-CL" sz="1200" b="1" dirty="0">
                 <a:solidFill>
-                  <a:schemeClr val="bg1">
-                    <a:lumMod val="50000"/>
+                  <a:schemeClr val="tx1">
+                    <a:lumMod val="65000"/>
+                    <a:lumOff val="35000"/>
                   </a:schemeClr>
                 </a:solidFill>
               </a:rPr>
-              <a:t>|</a:t>
-            </a:r>
-            <a:r>
-              <a:rPr lang="es-ES" sz="1400" dirty="0">
+              <a:t>Boletero de Ferretería</a:t>
+            </a:r>
+          </a:p>
+        </p:txBody>
+      </p:sp>
+      <p:sp>
+        <p:nvSpPr>
+          <p:cNvPr id="13" name="5 CuadroTexto">
+            <a:extLst>
+              <a:ext uri="{FF2B5EF4-FFF2-40B4-BE49-F238E27FC236}">
+                <a16:creationId xmlns:a16="http://schemas.microsoft.com/office/drawing/2014/main" id="{6BB0E5E0-57D0-46A9-AAE2-6F193E7A8290}"/>
+              </a:ext>
+            </a:extLst>
+          </p:cNvPr>
+          <p:cNvSpPr txBox="1"/>
+          <p:nvPr/>
+        </p:nvSpPr>
+        <p:spPr>
+          <a:xfrm>
+            <a:off x="279159" y="3642615"/>
+            <a:ext cx="9501670" cy="523220"/>
+          </a:xfrm>
+          <a:prstGeom prst="rect">
+            <a:avLst/>
+          </a:prstGeom>
+          <a:noFill/>
+        </p:spPr>
+        <p:txBody>
+          <a:bodyPr wrap="square" rtlCol="0">
+            <a:spAutoFit/>
+          </a:bodyPr>
+          <a:lstStyle/>
+          <a:p>
+            <a:pPr algn="ctr"/>
+            <a:r>
+              <a:rPr lang="es-CL" sz="2800" b="1" dirty="0">
                 <a:solidFill>
-                  <a:schemeClr val="tx2">
-                    <a:lumMod val="75000"/>
+                  <a:schemeClr val="tx1">
+                    <a:lumMod val="65000"/>
+                    <a:lumOff val="35000"/>
                   </a:schemeClr>
                 </a:solidFill>
               </a:rPr>
-              <a:t> Jorge Mainhard</a:t>
-            </a:r>
-            <a:r>
-              <a:rPr lang="es-ES" sz="1400" dirty="0">
+              <a:t>Demostración</a:t>
+            </a:r>
+          </a:p>
+        </p:txBody>
+      </p:sp>
+      <p:sp>
+        <p:nvSpPr>
+          <p:cNvPr id="5" name="5 CuadroTexto">
+            <a:extLst>
+              <a:ext uri="{FF2B5EF4-FFF2-40B4-BE49-F238E27FC236}">
+                <a16:creationId xmlns:a16="http://schemas.microsoft.com/office/drawing/2014/main" id="{8F4033A1-6A98-422D-BCE2-4AF94EFFF135}"/>
+              </a:ext>
+            </a:extLst>
+          </p:cNvPr>
+          <p:cNvSpPr txBox="1"/>
+          <p:nvPr/>
+        </p:nvSpPr>
+        <p:spPr>
+          <a:xfrm>
+            <a:off x="279159" y="2374826"/>
+            <a:ext cx="9501670" cy="523220"/>
+          </a:xfrm>
+          <a:prstGeom prst="rect">
+            <a:avLst/>
+          </a:prstGeom>
+          <a:noFill/>
+        </p:spPr>
+        <p:txBody>
+          <a:bodyPr wrap="square" rtlCol="0">
+            <a:spAutoFit/>
+          </a:bodyPr>
+          <a:lstStyle/>
+          <a:p>
+            <a:pPr algn="ctr"/>
+            <a:r>
+              <a:rPr lang="es-CL" sz="2800" b="1" dirty="0">
                 <a:solidFill>
-                  <a:schemeClr val="bg1">
-                    <a:lumMod val="50000"/>
+                  <a:schemeClr val="tx1">
+                    <a:lumMod val="65000"/>
+                    <a:lumOff val="35000"/>
                   </a:schemeClr>
                 </a:solidFill>
               </a:rPr>
-              <a:t>|</a:t>
-            </a:r>
-          </a:p>
-          <a:p>
-            <a:pPr algn="ctr"/>
-            <a:endParaRPr lang="es-ES" sz="1400" dirty="0">
-              <a:solidFill>
-                <a:schemeClr val="bg1">
-                  <a:lumMod val="50000"/>
-                </a:schemeClr>
-              </a:solidFill>
-            </a:endParaRPr>
-          </a:p>
-          <a:p>
-            <a:pPr algn="ctr"/>
-            <a:endParaRPr lang="es-ES" sz="1400" dirty="0">
-              <a:solidFill>
-                <a:schemeClr val="tx2">
-                  <a:lumMod val="75000"/>
-                </a:schemeClr>
-              </a:solidFill>
-            </a:endParaRPr>
-          </a:p>
-          <a:p>
-            <a:pPr algn="ctr"/>
-            <a:endParaRPr lang="es-CL" sz="1200" dirty="0">
-              <a:solidFill>
-                <a:schemeClr val="tx2">
-                  <a:lumMod val="75000"/>
-                </a:schemeClr>
-              </a:solidFill>
-            </a:endParaRPr>
+              <a:t>Diagrama de clases Test</a:t>
+            </a:r>
+          </a:p>
+        </p:txBody>
+      </p:sp>
+      <p:sp>
+        <p:nvSpPr>
+          <p:cNvPr id="6" name="CuadroTexto 5">
+            <a:extLst>
+              <a:ext uri="{FF2B5EF4-FFF2-40B4-BE49-F238E27FC236}">
+                <a16:creationId xmlns:a16="http://schemas.microsoft.com/office/drawing/2014/main" id="{4E2B7445-E7A8-428A-86C7-835F562A7A91}"/>
+              </a:ext>
+            </a:extLst>
+          </p:cNvPr>
+          <p:cNvSpPr txBox="1"/>
+          <p:nvPr/>
+        </p:nvSpPr>
+        <p:spPr>
+          <a:xfrm>
+            <a:off x="4275877" y="2895939"/>
+            <a:ext cx="1508233" cy="400110"/>
+          </a:xfrm>
+          <a:prstGeom prst="rect">
+            <a:avLst/>
+          </a:prstGeom>
+          <a:noFill/>
+        </p:spPr>
+        <p:txBody>
+          <a:bodyPr wrap="none" rtlCol="0">
+            <a:spAutoFit/>
+          </a:bodyPr>
+          <a:lstStyle/>
+          <a:p>
+            <a:r>
+              <a:rPr lang="es-CL" dirty="0">
+                <a:hlinkClick r:id="rId3" action="ppaction://hlinkfile"/>
+              </a:rPr>
+              <a:t>Imagen UML</a:t>
+            </a:r>
+            <a:endParaRPr lang="es-CL" dirty="0"/>
           </a:p>
         </p:txBody>
       </p:sp>
     </p:spTree>
+    <p:extLst>
+      <p:ext uri="{BB962C8B-B14F-4D97-AF65-F5344CB8AC3E}">
+        <p14:creationId xmlns:p14="http://schemas.microsoft.com/office/powerpoint/2010/main" val="1169301343"/>
+      </p:ext>
+    </p:extLst>
   </p:cSld>
   <p:clrMapOvr>
     <a:masterClrMapping/>
